--- a/ppt/Image reconstruction with PCA.pptx
+++ b/ppt/Image reconstruction with PCA.pptx
@@ -239,6 +239,11 @@
       </a:defRPr>
     </a:lvl9pPr>
   </p:defaultTextStyle>
+  <p:extLst>
+    <p:ext uri="{EFAFB233-063F-42B5-8137-9DF3F51BA10A}">
+      <p15:sldGuideLst xmlns:p15="http://schemas.microsoft.com/office/powerpoint/2012/main"/>
+    </p:ext>
+  </p:extLst>
 </p:presentation>
 </file>
 
@@ -6877,7 +6882,7 @@
           </a:bodyPr>
           <a:lstStyle/>
           <a:p>
-            <a:pPr marL="457200" lvl="0" indent="-355600">
+            <a:pPr marL="342900" indent="-342900">
               <a:lnSpc>
                 <a:spcPct val="100000"/>
               </a:lnSpc>
@@ -6889,12 +6894,11 @@
             </a:pPr>
             <a:r>
               <a:rPr lang="en" dirty="0">
-                <a:latin typeface="Calibri"/>
-                <a:ea typeface="Calibri"/>
-                <a:cs typeface="Calibri"/>
-                <a:sym typeface="Calibri"/>
-              </a:rPr>
-              <a:t>Impute Missing Values</a:t>
+                <a:ea typeface="Calibri"/>
+                <a:cs typeface="Calibri"/>
+                <a:sym typeface="Calibri"/>
+              </a:rPr>
+              <a:t>Imputing Missing Values before applying PCA</a:t>
             </a:r>
           </a:p>
           <a:p>
@@ -7238,15 +7242,7 @@
                   <a:schemeClr val="lt2"/>
                 </a:solidFill>
               </a:rPr>
-              <a:t>10</a:t>
-            </a:r>
-            <a:r>
-              <a:rPr lang="hu-HU" sz="1000" dirty="0" smtClean="0">
-                <a:solidFill>
-                  <a:schemeClr val="lt2"/>
-                </a:solidFill>
-              </a:rPr>
-              <a:t> | 17</a:t>
+              <a:t>10 | 17</a:t>
             </a:r>
             <a:endParaRPr lang="en" sz="1000" dirty="0">
               <a:solidFill>
@@ -7370,7 +7366,7 @@
           </a:bodyPr>
           <a:lstStyle/>
           <a:p>
-            <a:pPr marL="457200" lvl="0" indent="-355600">
+            <a:pPr marL="342900" indent="-342900">
               <a:lnSpc>
                 <a:spcPct val="100000"/>
               </a:lnSpc>
@@ -7382,12 +7378,11 @@
             </a:pPr>
             <a:r>
               <a:rPr lang="en" dirty="0">
-                <a:latin typeface="Calibri"/>
-                <a:ea typeface="Calibri"/>
-                <a:cs typeface="Calibri"/>
-                <a:sym typeface="Calibri"/>
-              </a:rPr>
-              <a:t>Impute Missing Values</a:t>
+                <a:ea typeface="Calibri"/>
+                <a:cs typeface="Calibri"/>
+                <a:sym typeface="Calibri"/>
+              </a:rPr>
+              <a:t>Imputing Missing Values before applying PCA</a:t>
             </a:r>
           </a:p>
           <a:p>
@@ -7403,22 +7398,13 @@
               <a:buChar char="•"/>
             </a:pPr>
             <a:r>
-              <a:rPr lang="hu-HU" sz="2000" dirty="0">
-                <a:latin typeface="Calibri"/>
-                <a:ea typeface="Calibri"/>
-                <a:cs typeface="Calibri"/>
-                <a:sym typeface="Calibri"/>
-              </a:rPr>
-              <a:t>D</a:t>
-            </a:r>
-            <a:r>
               <a:rPr lang="en" sz="2000" dirty="0" smtClean="0">
                 <a:latin typeface="Calibri"/>
                 <a:ea typeface="Calibri"/>
                 <a:cs typeface="Calibri"/>
                 <a:sym typeface="Calibri"/>
               </a:rPr>
-              <a:t>amaged </a:t>
+              <a:t>damaged </a:t>
             </a:r>
             <a:r>
               <a:rPr lang="en" sz="2000" dirty="0">
@@ -7427,16 +7413,7 @@
                 <a:cs typeface="Calibri"/>
                 <a:sym typeface="Calibri"/>
               </a:rPr>
-              <a:t>vs. </a:t>
-            </a:r>
-            <a:r>
-              <a:rPr lang="en" sz="2000" dirty="0">
-                <a:latin typeface="Calibri"/>
-                <a:ea typeface="Calibri"/>
-                <a:cs typeface="Calibri"/>
-                <a:sym typeface="Calibri"/>
-              </a:rPr>
-              <a:t>treated 10 PCs</a:t>
+              <a:t>vs. treated 10 PCs</a:t>
             </a:r>
           </a:p>
           <a:p>
@@ -7743,15 +7720,7 @@
                   <a:schemeClr val="lt2"/>
                 </a:solidFill>
               </a:rPr>
-              <a:t>11</a:t>
-            </a:r>
-            <a:r>
-              <a:rPr lang="hu-HU" sz="1000" dirty="0" smtClean="0">
-                <a:solidFill>
-                  <a:schemeClr val="lt2"/>
-                </a:solidFill>
-              </a:rPr>
-              <a:t> | 17</a:t>
+              <a:t>11 | 17</a:t>
             </a:r>
             <a:endParaRPr lang="en" sz="1000" dirty="0">
               <a:solidFill>
@@ -7892,16 +7861,7 @@
                 <a:cs typeface="Calibri"/>
                 <a:sym typeface="Calibri"/>
               </a:rPr>
-              <a:t>Using </a:t>
-            </a:r>
-            <a:r>
-              <a:rPr lang="en" dirty="0">
-                <a:latin typeface="Calibri"/>
-                <a:ea typeface="Calibri"/>
-                <a:cs typeface="Calibri"/>
-                <a:sym typeface="Calibri"/>
-              </a:rPr>
-              <a:t>PCA to impute Missing Values</a:t>
+              <a:t>Using PCA to impute Missing Values</a:t>
             </a:r>
           </a:p>
           <a:p>
@@ -7922,23 +7882,8 @@
                 <a:cs typeface="Calibri"/>
                 <a:sym typeface="Calibri"/>
               </a:rPr>
-              <a:t>Remove the rows with missing </a:t>
-            </a:r>
-            <a:r>
-              <a:rPr lang="en" dirty="0" smtClean="0">
-                <a:latin typeface="Calibri"/>
-                <a:ea typeface="Calibri"/>
-                <a:cs typeface="Calibri"/>
-                <a:sym typeface="Calibri"/>
-              </a:rPr>
-              <a:t>values</a:t>
-            </a:r>
-            <a:endParaRPr lang="hu-HU" dirty="0">
-              <a:latin typeface="Calibri"/>
-              <a:ea typeface="Calibri"/>
-              <a:cs typeface="Calibri"/>
-              <a:sym typeface="Calibri"/>
-            </a:endParaRPr>
+              <a:t>Remove the rows with missing values;</a:t>
+            </a:r>
           </a:p>
           <a:p>
             <a:pPr marL="749808" lvl="1" indent="-355600">
@@ -7952,31 +7897,52 @@
               <a:buChar char="•"/>
             </a:pPr>
             <a:r>
+              <a:rPr lang="en" dirty="0">
+                <a:latin typeface="Calibri"/>
+                <a:ea typeface="Calibri"/>
+                <a:cs typeface="Calibri"/>
+                <a:sym typeface="Calibri"/>
+              </a:rPr>
+              <a:t>Perform PCA on the new, smaller dataset;</a:t>
+            </a:r>
+          </a:p>
+          <a:p>
+            <a:pPr marL="749808" lvl="1" indent="-355600">
+              <a:lnSpc>
+                <a:spcPct val="100000"/>
+              </a:lnSpc>
+              <a:spcBef>
+                <a:spcPts val="0"/>
+              </a:spcBef>
+              <a:buFont typeface="Arial" panose="020B0604020202020204" pitchFamily="34" charset="0"/>
+              <a:buChar char="•"/>
+            </a:pPr>
+            <a:r>
+              <a:rPr lang="hu-HU" dirty="0">
+                <a:latin typeface="Calibri"/>
+                <a:ea typeface="Calibri"/>
+                <a:cs typeface="Calibri"/>
+                <a:sym typeface="Calibri"/>
+              </a:rPr>
+              <a:t>U</a:t>
+            </a:r>
+            <a:r>
+              <a:rPr lang="en" dirty="0">
+                <a:latin typeface="Calibri"/>
+                <a:ea typeface="Calibri"/>
+                <a:cs typeface="Calibri"/>
+                <a:sym typeface="Calibri"/>
+              </a:rPr>
+              <a:t>se the principal components of this dataset to estimate the missing values</a:t>
+            </a:r>
+            <a:r>
               <a:rPr lang="en" dirty="0" smtClean="0">
                 <a:latin typeface="Calibri"/>
                 <a:ea typeface="Calibri"/>
                 <a:cs typeface="Calibri"/>
                 <a:sym typeface="Calibri"/>
               </a:rPr>
-              <a:t>Perform </a:t>
-            </a:r>
-            <a:r>
-              <a:rPr lang="en" dirty="0">
-                <a:latin typeface="Calibri"/>
-                <a:ea typeface="Calibri"/>
-                <a:cs typeface="Calibri"/>
-                <a:sym typeface="Calibri"/>
-              </a:rPr>
-              <a:t>PCA on the new, smaller </a:t>
-            </a:r>
-            <a:r>
-              <a:rPr lang="en" dirty="0" smtClean="0">
-                <a:latin typeface="Calibri"/>
-                <a:ea typeface="Calibri"/>
-                <a:cs typeface="Calibri"/>
-                <a:sym typeface="Calibri"/>
-              </a:rPr>
-              <a:t>dataset</a:t>
+              <a:t>.</a:t>
             </a:r>
             <a:endParaRPr lang="en" dirty="0">
               <a:latin typeface="Calibri"/>
@@ -7985,51 +7951,6 @@
               <a:sym typeface="Calibri"/>
             </a:endParaRPr>
           </a:p>
-          <a:p>
-            <a:pPr marL="749808" lvl="1" indent="-355600">
-              <a:lnSpc>
-                <a:spcPct val="100000"/>
-              </a:lnSpc>
-              <a:spcBef>
-                <a:spcPts val="0"/>
-              </a:spcBef>
-              <a:buFont typeface="Arial" panose="020B0604020202020204" pitchFamily="34" charset="0"/>
-              <a:buChar char="•"/>
-            </a:pPr>
-            <a:r>
-              <a:rPr lang="hu-HU" dirty="0">
-                <a:latin typeface="Calibri"/>
-                <a:ea typeface="Calibri"/>
-                <a:cs typeface="Calibri"/>
-                <a:sym typeface="Calibri"/>
-              </a:rPr>
-              <a:t>U</a:t>
-            </a:r>
-            <a:r>
-              <a:rPr lang="en" dirty="0">
-                <a:latin typeface="Calibri"/>
-                <a:ea typeface="Calibri"/>
-                <a:cs typeface="Calibri"/>
-                <a:sym typeface="Calibri"/>
-              </a:rPr>
-              <a:t>se the principal components of this dataset to estimate the missing </a:t>
-            </a:r>
-            <a:r>
-              <a:rPr lang="en" dirty="0" smtClean="0">
-                <a:latin typeface="Calibri"/>
-                <a:ea typeface="Calibri"/>
-                <a:cs typeface="Calibri"/>
-                <a:sym typeface="Calibri"/>
-              </a:rPr>
-              <a:t>values</a:t>
-            </a:r>
-            <a:endParaRPr lang="en" dirty="0">
-              <a:latin typeface="Calibri"/>
-              <a:ea typeface="Calibri"/>
-              <a:cs typeface="Calibri"/>
-              <a:sym typeface="Calibri"/>
-            </a:endParaRPr>
-          </a:p>
         </p:txBody>
       </p:sp>
       <p:sp>
@@ -8064,15 +7985,7 @@
                   <a:schemeClr val="lt2"/>
                 </a:solidFill>
               </a:rPr>
-              <a:t>12</a:t>
-            </a:r>
-            <a:r>
-              <a:rPr lang="hu-HU" sz="1000" dirty="0" smtClean="0">
-                <a:solidFill>
-                  <a:schemeClr val="lt2"/>
-                </a:solidFill>
-              </a:rPr>
-              <a:t> | 17</a:t>
+              <a:t>12 | 17</a:t>
             </a:r>
             <a:endParaRPr lang="en" sz="1000" dirty="0">
               <a:solidFill>
@@ -8539,15 +8452,7 @@
                   <a:schemeClr val="lt2"/>
                 </a:solidFill>
               </a:rPr>
-              <a:t>13</a:t>
-            </a:r>
-            <a:r>
-              <a:rPr lang="hu-HU" sz="1000" dirty="0" smtClean="0">
-                <a:solidFill>
-                  <a:schemeClr val="lt2"/>
-                </a:solidFill>
-              </a:rPr>
-              <a:t> | 17</a:t>
+              <a:t>13 | 17</a:t>
             </a:r>
             <a:endParaRPr lang="en" sz="1000" dirty="0">
               <a:solidFill>
@@ -8631,21 +8536,7 @@
                 <a:cs typeface="Calibri"/>
                 <a:sym typeface="Calibri"/>
               </a:rPr>
-              <a:t>reconstruction </a:t>
-            </a:r>
-            <a:r>
-              <a:rPr lang="en" sz="3600" b="1" cap="small" dirty="0">
-                <a:solidFill>
-                  <a:schemeClr val="bg1">
-                    <a:lumMod val="65000"/>
-                  </a:schemeClr>
-                </a:solidFill>
-                <a:latin typeface="Calibri"/>
-                <a:ea typeface="Calibri"/>
-                <a:cs typeface="Calibri"/>
-                <a:sym typeface="Calibri"/>
-              </a:rPr>
-              <a:t>of damaged pictures</a:t>
+              <a:t>reconstruction of damaged pictures</a:t>
             </a:r>
           </a:p>
         </p:txBody>
@@ -8998,15 +8889,7 @@
                   <a:schemeClr val="lt2"/>
                 </a:solidFill>
               </a:rPr>
-              <a:t>14</a:t>
-            </a:r>
-            <a:r>
-              <a:rPr lang="hu-HU" sz="1000" dirty="0" smtClean="0">
-                <a:solidFill>
-                  <a:schemeClr val="lt2"/>
-                </a:solidFill>
-              </a:rPr>
-              <a:t> | 17</a:t>
+              <a:t>14 | 17</a:t>
             </a:r>
             <a:endParaRPr lang="en" sz="1000" dirty="0">
               <a:solidFill>
@@ -9267,16 +9150,7 @@
                 <a:cs typeface="Calibri"/>
                 <a:sym typeface="Calibri"/>
               </a:rPr>
-              <a:t>Image </a:t>
-            </a:r>
-            <a:r>
-              <a:rPr lang="en" sz="1800" dirty="0">
-                <a:latin typeface="Calibri"/>
-                <a:ea typeface="Calibri"/>
-                <a:cs typeface="Calibri"/>
-                <a:sym typeface="Calibri"/>
-              </a:rPr>
-              <a:t>Compression</a:t>
+              <a:t>Image Compression</a:t>
             </a:r>
             <a:endParaRPr sz="1800" dirty="0">
               <a:latin typeface="Calibri"/>
@@ -9324,16 +9198,7 @@
                 <a:cs typeface="Calibri"/>
                 <a:sym typeface="Calibri"/>
               </a:rPr>
-              <a:t>reduction of the image storage space. </a:t>
-            </a:r>
-            <a:r>
-              <a:rPr lang="en" sz="1800" dirty="0">
-                <a:latin typeface="Calibri"/>
-                <a:ea typeface="Calibri"/>
-                <a:cs typeface="Calibri"/>
-                <a:sym typeface="Calibri"/>
-              </a:rPr>
-              <a:t>The compression rate is given by: 1- Nbr. of Principal Components Used/ Total Number of Variables.</a:t>
+              <a:t>reduction of the image storage space. The compression rate is given by: 1- Nbr. of Principal Components Used/ Total Number of Variables.</a:t>
             </a:r>
           </a:p>
           <a:p>
@@ -9424,21 +9289,13 @@
               </a:spcBef>
               <a:buNone/>
             </a:pPr>
-            <a:r>
-              <a:rPr lang="hu-HU" sz="1000" dirty="0" smtClean="0">
-                <a:solidFill>
-                  <a:schemeClr val="lt2"/>
-                </a:solidFill>
-              </a:rPr>
-              <a:t>1</a:t>
-            </a:r>
             <a:fld id="{00000000-1234-1234-1234-123412341234}" type="slidenum">
               <a:rPr lang="en" sz="1000" smtClean="0">
                 <a:solidFill>
                   <a:schemeClr val="lt2"/>
                 </a:solidFill>
               </a:rPr>
-              <a:t>5</a:t>
+              <a:t>15</a:t>
             </a:fld>
             <a:r>
               <a:rPr lang="hu-HU" sz="1000" dirty="0" smtClean="0">
@@ -9446,7 +9303,15 @@
                   <a:schemeClr val="lt2"/>
                 </a:solidFill>
               </a:rPr>
-              <a:t> | 17</a:t>
+              <a:t> </a:t>
+            </a:r>
+            <a:r>
+              <a:rPr lang="hu-HU" sz="1000" dirty="0" smtClean="0">
+                <a:solidFill>
+                  <a:schemeClr val="lt2"/>
+                </a:solidFill>
+              </a:rPr>
+              <a:t>| 17</a:t>
             </a:r>
             <a:endParaRPr lang="en" sz="1000" dirty="0">
               <a:solidFill>
@@ -10445,12 +10310,14 @@
         <p:spPr>
           <a:xfrm>
             <a:off x="0" y="6359725"/>
-            <a:ext cx="9144000" cy="395699"/>
+            <a:ext cx="9144000" cy="498275"/>
           </a:xfrm>
           <a:prstGeom prst="rect">
             <a:avLst/>
           </a:prstGeom>
-          <a:noFill/>
+          <a:solidFill>
+            <a:schemeClr val="bg1"/>
+          </a:solidFill>
           <a:ln>
             <a:noFill/>
           </a:ln>
@@ -11099,16 +10966,7 @@
                 <a:cs typeface="Calibri"/>
                 <a:sym typeface="Calibri"/>
               </a:rPr>
-              <a:t>Each </a:t>
-            </a:r>
-            <a:r>
-              <a:rPr lang="en" dirty="0">
-                <a:latin typeface="Calibri"/>
-                <a:ea typeface="Calibri"/>
-                <a:cs typeface="Calibri"/>
-                <a:sym typeface="Calibri"/>
-              </a:rPr>
-              <a:t>pixel contains an array with 3 values: R G B</a:t>
+              <a:t>Each pixel contains an array with 3 values: R G B</a:t>
             </a:r>
           </a:p>
           <a:p>
@@ -11779,21 +11637,7 @@
                 <a:cs typeface="Calibri"/>
                 <a:sym typeface="Calibri"/>
               </a:rPr>
-              <a:t>reconstruction </a:t>
-            </a:r>
-            <a:r>
-              <a:rPr lang="en" sz="3600" b="1" cap="small" dirty="0">
-                <a:solidFill>
-                  <a:schemeClr val="bg1">
-                    <a:lumMod val="65000"/>
-                  </a:schemeClr>
-                </a:solidFill>
-                <a:latin typeface="Calibri"/>
-                <a:ea typeface="Calibri"/>
-                <a:cs typeface="Calibri"/>
-                <a:sym typeface="Calibri"/>
-              </a:rPr>
-              <a:t>of damaged pictures</a:t>
+              <a:t>reconstruction of damaged pictures</a:t>
             </a:r>
           </a:p>
         </p:txBody>
@@ -11840,15 +11684,15 @@
             </a:r>
           </a:p>
           <a:p>
-            <a:pPr marL="800100" lvl="1" indent="-342900" algn="l">
+            <a:pPr marL="914400" lvl="1" indent="-457200" algn="l">
               <a:lnSpc>
                 <a:spcPct val="100000"/>
               </a:lnSpc>
               <a:spcBef>
                 <a:spcPts val="0"/>
               </a:spcBef>
-              <a:buFont typeface="Arial" panose="020B0604020202020204" pitchFamily="34" charset="0"/>
-              <a:buChar char="•"/>
+              <a:buFont typeface="+mj-lt"/>
+              <a:buAutoNum type="arabicPeriod"/>
             </a:pPr>
             <a:r>
               <a:rPr lang="en" sz="2000" dirty="0">
@@ -11857,20 +11701,11 @@
                 <a:cs typeface="Calibri"/>
                 <a:sym typeface="Calibri"/>
               </a:rPr>
-              <a:t>Impute </a:t>
-            </a:r>
-            <a:r>
-              <a:rPr lang="en" sz="2000" dirty="0">
-                <a:latin typeface="Calibri"/>
-                <a:ea typeface="Calibri"/>
-                <a:cs typeface="Calibri"/>
-                <a:sym typeface="Calibri"/>
-              </a:rPr>
-              <a:t>missing values first</a:t>
-            </a:r>
-          </a:p>
-          <a:p>
-            <a:pPr marL="342900" indent="-342900">
+              <a:t>Impute missing values first</a:t>
+            </a:r>
+          </a:p>
+          <a:p>
+            <a:pPr marL="1001268" lvl="3" indent="-342900">
               <a:lnSpc>
                 <a:spcPct val="150000"/>
               </a:lnSpc>
@@ -11884,7 +11719,7 @@
               <a:buChar char="•"/>
             </a:pPr>
             <a:r>
-              <a:rPr lang="en" sz="2000" dirty="0">
+              <a:rPr lang="en" sz="1800" dirty="0">
                 <a:latin typeface="Calibri"/>
                 <a:ea typeface="Calibri"/>
                 <a:cs typeface="Calibri"/>
@@ -11893,9 +11728,11 @@
               <a:t>R package </a:t>
             </a:r>
             <a:r>
-              <a:rPr lang="en" sz="2000" dirty="0">
+              <a:rPr lang="en" sz="1800" dirty="0">
                 <a:solidFill>
-                  <a:schemeClr val="tx1"/>
+                  <a:schemeClr val="accent1">
+                    <a:lumMod val="75000"/>
+                  </a:schemeClr>
                 </a:solidFill>
                 <a:latin typeface="Calibri"/>
                 <a:ea typeface="Calibri"/>
@@ -11905,7 +11742,7 @@
               <a:t>M</a:t>
             </a:r>
             <a:r>
-              <a:rPr lang="en" sz="2000" dirty="0">
+              <a:rPr lang="en" sz="1800" dirty="0">
                 <a:latin typeface="Calibri"/>
                 <a:ea typeface="Calibri"/>
                 <a:cs typeface="Calibri"/>
@@ -11914,9 +11751,11 @@
               <a:t>ultivariate </a:t>
             </a:r>
             <a:r>
-              <a:rPr lang="en" sz="2000" dirty="0">
+              <a:rPr lang="en" sz="1800" dirty="0">
                 <a:solidFill>
-                  <a:schemeClr val="tx1"/>
+                  <a:schemeClr val="accent1">
+                    <a:lumMod val="75000"/>
+                  </a:schemeClr>
                 </a:solidFill>
                 <a:latin typeface="Calibri"/>
                 <a:ea typeface="Calibri"/>
@@ -11926,7 +11765,7 @@
               <a:t>I</a:t>
             </a:r>
             <a:r>
-              <a:rPr lang="en" sz="2000" dirty="0">
+              <a:rPr lang="en" sz="1800" dirty="0">
                 <a:latin typeface="Calibri"/>
                 <a:ea typeface="Calibri"/>
                 <a:cs typeface="Calibri"/>
@@ -11935,9 +11774,11 @@
               <a:t>mputations by </a:t>
             </a:r>
             <a:r>
-              <a:rPr lang="en" sz="2000" dirty="0">
+              <a:rPr lang="en" sz="1800" dirty="0">
                 <a:solidFill>
-                  <a:schemeClr val="tx1"/>
+                  <a:schemeClr val="accent1">
+                    <a:lumMod val="75000"/>
+                  </a:schemeClr>
                 </a:solidFill>
                 <a:latin typeface="Calibri"/>
                 <a:ea typeface="Calibri"/>
@@ -11947,7 +11788,7 @@
               <a:t>C</a:t>
             </a:r>
             <a:r>
-              <a:rPr lang="en" sz="2000" dirty="0">
+              <a:rPr lang="en" sz="1800" dirty="0">
                 <a:latin typeface="Calibri"/>
                 <a:ea typeface="Calibri"/>
                 <a:cs typeface="Calibri"/>
@@ -11956,9 +11797,11 @@
               <a:t>hained </a:t>
             </a:r>
             <a:r>
-              <a:rPr lang="en" sz="2000" dirty="0">
+              <a:rPr lang="en" sz="1800" dirty="0">
                 <a:solidFill>
-                  <a:schemeClr val="tx1"/>
+                  <a:schemeClr val="accent1">
+                    <a:lumMod val="75000"/>
+                  </a:schemeClr>
                 </a:solidFill>
                 <a:latin typeface="Calibri"/>
                 <a:ea typeface="Calibri"/>
@@ -11968,7 +11811,7 @@
               <a:t>E</a:t>
             </a:r>
             <a:r>
-              <a:rPr lang="en" sz="2000" dirty="0">
+              <a:rPr lang="en" sz="1800" dirty="0">
                 <a:latin typeface="Calibri"/>
                 <a:ea typeface="Calibri"/>
                 <a:cs typeface="Calibri"/>
@@ -11977,9 +11820,11 @@
               <a:t>quations (</a:t>
             </a:r>
             <a:r>
-              <a:rPr lang="en" sz="2000" dirty="0">
+              <a:rPr lang="en" sz="1800" dirty="0">
                 <a:solidFill>
-                  <a:schemeClr val="tx1"/>
+                  <a:schemeClr val="accent1">
+                    <a:lumMod val="75000"/>
+                  </a:schemeClr>
                 </a:solidFill>
                 <a:latin typeface="Calibri"/>
                 <a:ea typeface="Calibri"/>
@@ -11989,7 +11834,7 @@
               <a:t>MICE</a:t>
             </a:r>
             <a:r>
-              <a:rPr lang="en" sz="2000" dirty="0">
+              <a:rPr lang="en" sz="1800" dirty="0">
                 <a:latin typeface="Calibri"/>
                 <a:ea typeface="Calibri"/>
                 <a:cs typeface="Calibri"/>
@@ -11999,7 +11844,7 @@
             </a:r>
           </a:p>
           <a:p>
-            <a:pPr marL="342900" marR="0" lvl="0" indent="-342900" algn="l" rtl="0">
+            <a:pPr marL="1001268" lvl="3" indent="-342900">
               <a:lnSpc>
                 <a:spcPct val="150000"/>
               </a:lnSpc>
@@ -12013,7 +11858,7 @@
               <a:buChar char="•"/>
             </a:pPr>
             <a:r>
-              <a:rPr lang="hu-HU" dirty="0">
+              <a:rPr lang="hu-HU" sz="1800" dirty="0">
                 <a:latin typeface="Calibri"/>
                 <a:ea typeface="Calibri"/>
                 <a:cs typeface="Calibri"/>
@@ -12022,7 +11867,7 @@
               <a:t>M</a:t>
             </a:r>
             <a:r>
-              <a:rPr lang="en" sz="2000" dirty="0" smtClean="0">
+              <a:rPr lang="en" sz="1800" dirty="0" smtClean="0">
                 <a:latin typeface="Calibri"/>
                 <a:ea typeface="Calibri"/>
                 <a:cs typeface="Calibri"/>
@@ -12031,9 +11876,11 @@
               <a:t>ethod </a:t>
             </a:r>
             <a:r>
-              <a:rPr lang="en" sz="2000" dirty="0">
+              <a:rPr lang="en" sz="1800" dirty="0">
                 <a:solidFill>
-                  <a:schemeClr val="tx1"/>
+                  <a:schemeClr val="accent1">
+                    <a:lumMod val="75000"/>
+                  </a:schemeClr>
                 </a:solidFill>
                 <a:latin typeface="Calibri"/>
                 <a:ea typeface="Calibri"/>
@@ -12043,7 +11890,7 @@
               <a:t>P</a:t>
             </a:r>
             <a:r>
-              <a:rPr lang="en" sz="2000" dirty="0">
+              <a:rPr lang="en" sz="1800" dirty="0">
                 <a:latin typeface="Calibri"/>
                 <a:ea typeface="Calibri"/>
                 <a:cs typeface="Calibri"/>
@@ -12052,9 +11899,11 @@
               <a:t>redictive </a:t>
             </a:r>
             <a:r>
-              <a:rPr lang="en" sz="2000" dirty="0">
+              <a:rPr lang="en" sz="1800" dirty="0">
                 <a:solidFill>
-                  <a:schemeClr val="tx1"/>
+                  <a:schemeClr val="accent1">
+                    <a:lumMod val="75000"/>
+                  </a:schemeClr>
                 </a:solidFill>
                 <a:latin typeface="Calibri"/>
                 <a:ea typeface="Calibri"/>
@@ -12064,7 +11913,7 @@
               <a:t>M</a:t>
             </a:r>
             <a:r>
-              <a:rPr lang="en" sz="2000" dirty="0">
+              <a:rPr lang="en" sz="1800" dirty="0">
                 <a:latin typeface="Calibri"/>
                 <a:ea typeface="Calibri"/>
                 <a:cs typeface="Calibri"/>
@@ -12073,9 +11922,11 @@
               <a:t>ean </a:t>
             </a:r>
             <a:r>
-              <a:rPr lang="en" sz="2000" dirty="0">
+              <a:rPr lang="en" sz="1800" dirty="0">
                 <a:solidFill>
-                  <a:schemeClr val="tx1"/>
+                  <a:schemeClr val="accent1">
+                    <a:lumMod val="75000"/>
+                  </a:schemeClr>
                 </a:solidFill>
                 <a:latin typeface="Calibri"/>
                 <a:ea typeface="Calibri"/>
@@ -12085,7 +11936,7 @@
               <a:t>M</a:t>
             </a:r>
             <a:r>
-              <a:rPr lang="en" sz="2000" dirty="0">
+              <a:rPr lang="en" sz="1800" dirty="0">
                 <a:latin typeface="Calibri"/>
                 <a:ea typeface="Calibri"/>
                 <a:cs typeface="Calibri"/>
@@ -12094,9 +11945,11 @@
               <a:t>atching (</a:t>
             </a:r>
             <a:r>
-              <a:rPr lang="en" sz="2000" dirty="0">
+              <a:rPr lang="en" sz="1800" dirty="0">
                 <a:solidFill>
-                  <a:schemeClr val="tx1"/>
+                  <a:schemeClr val="accent1">
+                    <a:lumMod val="75000"/>
+                  </a:schemeClr>
                 </a:solidFill>
                 <a:latin typeface="Calibri"/>
                 <a:ea typeface="Calibri"/>
@@ -12106,7 +11959,7 @@
               <a:t>pmm</a:t>
             </a:r>
             <a:r>
-              <a:rPr lang="en" sz="2000" dirty="0">
+              <a:rPr lang="en" sz="1800" dirty="0">
                 <a:latin typeface="Calibri"/>
                 <a:ea typeface="Calibri"/>
                 <a:cs typeface="Calibri"/>
@@ -12116,15 +11969,15 @@
             </a:r>
           </a:p>
           <a:p>
-            <a:pPr marL="800100" lvl="1" indent="-342900" algn="l">
+            <a:pPr marL="914400" lvl="1" indent="-457200" algn="l">
               <a:lnSpc>
                 <a:spcPct val="100000"/>
               </a:lnSpc>
               <a:spcBef>
                 <a:spcPts val="0"/>
               </a:spcBef>
-              <a:buFont typeface="Arial" panose="020B0604020202020204" pitchFamily="34" charset="0"/>
-              <a:buChar char="•"/>
+              <a:buFont typeface="+mj-lt"/>
+              <a:buAutoNum type="arabicPeriod"/>
             </a:pPr>
             <a:r>
               <a:rPr lang="en" sz="2000" dirty="0">
@@ -12316,25 +12169,23 @@
           </a:bodyPr>
           <a:lstStyle/>
           <a:p>
-            <a:pPr marL="444500" lvl="0" indent="-342900" rtl="0">
+            <a:pPr marL="342900" indent="-342900">
               <a:lnSpc>
                 <a:spcPct val="100000"/>
               </a:lnSpc>
               <a:spcBef>
                 <a:spcPts val="0"/>
               </a:spcBef>
-              <a:buSzPct val="100000"/>
               <a:buFont typeface="Arial" panose="020B0604020202020204" pitchFamily="34" charset="0"/>
               <a:buChar char="•"/>
             </a:pPr>
             <a:r>
               <a:rPr lang="en" dirty="0">
-                <a:latin typeface="Calibri"/>
-                <a:ea typeface="Calibri"/>
-                <a:cs typeface="Calibri"/>
-                <a:sym typeface="Calibri"/>
-              </a:rPr>
-              <a:t>Impute Missing Values</a:t>
+                <a:ea typeface="Calibri"/>
+                <a:cs typeface="Calibri"/>
+                <a:sym typeface="Calibri"/>
+              </a:rPr>
+              <a:t>Imputing Missing Values before applying PCA</a:t>
             </a:r>
           </a:p>
           <a:p>
